--- a/Presentations/15-08-19.pptx
+++ b/Presentations/15-08-19.pptx
@@ -268,6 +268,14 @@
 </p:presentation>
 </file>
 
+<file path=ppt/revisionInfo.xml><?xml version="1.0" encoding="utf-8"?>
+<p1510:revInfo xmlns:a="http://schemas.openxmlformats.org/drawingml/2006/main" xmlns:r="http://schemas.openxmlformats.org/officeDocument/2006/relationships" xmlns:p1510="http://schemas.microsoft.com/office/powerpoint/2015/10/main">
+  <p1510:revLst>
+    <p1510:client id="{110A2191-4459-4360-AEEF-F571114C3F54}" v="8" dt="2019-08-21T08:12:09.143"/>
+  </p1510:revLst>
+</p1510:revInfo>
+</file>
+
 <file path=ppt/changesInfos/changesInfo1.xml><?xml version="1.0" encoding="utf-8"?>
 <pc:chgInfo xmlns:a="http://schemas.openxmlformats.org/drawingml/2006/main" xmlns:r="http://schemas.openxmlformats.org/officeDocument/2006/relationships" xmlns:ac="http://schemas.microsoft.com/office/drawing/2013/main/command" xmlns:pc="http://schemas.microsoft.com/office/powerpoint/2013/main/command">
   <pc:docChgLst>
@@ -313,28 +321,6 @@
         <pc:sldMkLst>
           <pc:docMk/>
           <pc:sldMk cId="3717408049" sldId="299"/>
-        </pc:sldMkLst>
-      </pc:sldChg>
-      <pc:sldChg chg="modSp add del">
-        <pc:chgData name="Louis Lin" userId="b798cae1876596cb" providerId="LiveId" clId="{807F32B1-7CC7-4235-BEF4-BAF08EBEF243}" dt="2019-08-15T05:54:19.731" v="363" actId="2696"/>
-        <pc:sldMkLst>
-          <pc:docMk/>
-          <pc:sldMk cId="3693722756" sldId="300"/>
-        </pc:sldMkLst>
-        <pc:spChg chg="mod">
-          <ac:chgData name="Louis Lin" userId="b798cae1876596cb" providerId="LiveId" clId="{807F32B1-7CC7-4235-BEF4-BAF08EBEF243}" dt="2019-08-15T05:52:10.486" v="172" actId="20577"/>
-          <ac:spMkLst>
-            <pc:docMk/>
-            <pc:sldMk cId="3693722756" sldId="300"/>
-            <ac:spMk id="18" creationId="{57EF658A-FB06-4DEF-BF70-B0C0556E7A67}"/>
-          </ac:spMkLst>
-        </pc:spChg>
-      </pc:sldChg>
-      <pc:sldChg chg="add del ord">
-        <pc:chgData name="Louis Lin" userId="b798cae1876596cb" providerId="LiveId" clId="{807F32B1-7CC7-4235-BEF4-BAF08EBEF243}" dt="2019-08-15T05:52:20.044" v="175" actId="2696"/>
-        <pc:sldMkLst>
-          <pc:docMk/>
-          <pc:sldMk cId="222570059" sldId="301"/>
         </pc:sldMkLst>
       </pc:sldChg>
       <pc:sldChg chg="add">
@@ -489,15 +475,169 @@
           <pc:docMk/>
           <pc:sldMasterMk cId="0" sldId="2147483665"/>
         </pc:sldMasterMkLst>
-        <pc:sldLayoutChg chg="del">
-          <pc:chgData name="Louis Lin" userId="b798cae1876596cb" providerId="LiveId" clId="{807F32B1-7CC7-4235-BEF4-BAF08EBEF243}" dt="2019-08-15T05:52:20.047" v="176" actId="2696"/>
-          <pc:sldLayoutMkLst>
+      </pc:sldMasterChg>
+    </pc:docChg>
+  </pc:docChgLst>
+  <pc:docChgLst>
+    <pc:chgData name="Louis Lin" userId="b798cae1876596cb" providerId="LiveId" clId="{110A2191-4459-4360-AEEF-F571114C3F54}"/>
+    <pc:docChg chg="custSel modSld">
+      <pc:chgData name="Louis Lin" userId="b798cae1876596cb" providerId="LiveId" clId="{110A2191-4459-4360-AEEF-F571114C3F54}" dt="2019-08-21T08:12:09.143" v="47"/>
+      <pc:docMkLst>
+        <pc:docMk/>
+      </pc:docMkLst>
+      <pc:sldChg chg="modSp">
+        <pc:chgData name="Louis Lin" userId="b798cae1876596cb" providerId="LiveId" clId="{110A2191-4459-4360-AEEF-F571114C3F54}" dt="2019-08-21T08:11:52.170" v="37" actId="20577"/>
+        <pc:sldMkLst>
+          <pc:docMk/>
+          <pc:sldMk cId="3717408049" sldId="299"/>
+        </pc:sldMkLst>
+        <pc:spChg chg="mod">
+          <ac:chgData name="Louis Lin" userId="b798cae1876596cb" providerId="LiveId" clId="{110A2191-4459-4360-AEEF-F571114C3F54}" dt="2019-08-21T08:10:59.395" v="26"/>
+          <ac:spMkLst>
             <pc:docMk/>
-            <pc:sldMasterMk cId="0" sldId="2147483665"/>
-            <pc:sldLayoutMk cId="0" sldId="2147483650"/>
-          </pc:sldLayoutMkLst>
-        </pc:sldLayoutChg>
-      </pc:sldMasterChg>
+            <pc:sldMk cId="3717408049" sldId="299"/>
+            <ac:spMk id="18" creationId="{57EF658A-FB06-4DEF-BF70-B0C0556E7A67}"/>
+          </ac:spMkLst>
+        </pc:spChg>
+        <pc:spChg chg="mod">
+          <ac:chgData name="Louis Lin" userId="b798cae1876596cb" providerId="LiveId" clId="{110A2191-4459-4360-AEEF-F571114C3F54}" dt="2019-08-21T08:11:52.170" v="37" actId="20577"/>
+          <ac:spMkLst>
+            <pc:docMk/>
+            <pc:sldMk cId="3717408049" sldId="299"/>
+            <ac:spMk id="150" creationId="{00000000-0000-0000-0000-000000000000}"/>
+          </ac:spMkLst>
+        </pc:spChg>
+      </pc:sldChg>
+      <pc:sldChg chg="modSp">
+        <pc:chgData name="Louis Lin" userId="b798cae1876596cb" providerId="LiveId" clId="{110A2191-4459-4360-AEEF-F571114C3F54}" dt="2019-08-21T08:10:48.219" v="25" actId="20577"/>
+        <pc:sldMkLst>
+          <pc:docMk/>
+          <pc:sldMk cId="615005068" sldId="301"/>
+        </pc:sldMkLst>
+        <pc:spChg chg="mod">
+          <ac:chgData name="Louis Lin" userId="b798cae1876596cb" providerId="LiveId" clId="{110A2191-4459-4360-AEEF-F571114C3F54}" dt="2019-08-21T08:10:48.219" v="25" actId="20577"/>
+          <ac:spMkLst>
+            <pc:docMk/>
+            <pc:sldMk cId="615005068" sldId="301"/>
+            <ac:spMk id="18" creationId="{57EF658A-FB06-4DEF-BF70-B0C0556E7A67}"/>
+          </ac:spMkLst>
+        </pc:spChg>
+        <pc:spChg chg="mod">
+          <ac:chgData name="Louis Lin" userId="b798cae1876596cb" providerId="LiveId" clId="{110A2191-4459-4360-AEEF-F571114C3F54}" dt="2019-08-21T08:10:15.604" v="4" actId="20577"/>
+          <ac:spMkLst>
+            <pc:docMk/>
+            <pc:sldMk cId="615005068" sldId="301"/>
+            <ac:spMk id="150" creationId="{00000000-0000-0000-0000-000000000000}"/>
+          </ac:spMkLst>
+        </pc:spChg>
+      </pc:sldChg>
+      <pc:sldChg chg="modSp">
+        <pc:chgData name="Louis Lin" userId="b798cae1876596cb" providerId="LiveId" clId="{110A2191-4459-4360-AEEF-F571114C3F54}" dt="2019-08-21T08:11:58.228" v="44" actId="20577"/>
+        <pc:sldMkLst>
+          <pc:docMk/>
+          <pc:sldMk cId="2952602496" sldId="302"/>
+        </pc:sldMkLst>
+        <pc:spChg chg="mod">
+          <ac:chgData name="Louis Lin" userId="b798cae1876596cb" providerId="LiveId" clId="{110A2191-4459-4360-AEEF-F571114C3F54}" dt="2019-08-21T08:11:03.759" v="27"/>
+          <ac:spMkLst>
+            <pc:docMk/>
+            <pc:sldMk cId="2952602496" sldId="302"/>
+            <ac:spMk id="18" creationId="{57EF658A-FB06-4DEF-BF70-B0C0556E7A67}"/>
+          </ac:spMkLst>
+        </pc:spChg>
+        <pc:spChg chg="mod">
+          <ac:chgData name="Louis Lin" userId="b798cae1876596cb" providerId="LiveId" clId="{110A2191-4459-4360-AEEF-F571114C3F54}" dt="2019-08-21T08:11:58.228" v="44" actId="20577"/>
+          <ac:spMkLst>
+            <pc:docMk/>
+            <pc:sldMk cId="2952602496" sldId="302"/>
+            <ac:spMk id="150" creationId="{00000000-0000-0000-0000-000000000000}"/>
+          </ac:spMkLst>
+        </pc:spChg>
+      </pc:sldChg>
+      <pc:sldChg chg="modSp">
+        <pc:chgData name="Louis Lin" userId="b798cae1876596cb" providerId="LiveId" clId="{110A2191-4459-4360-AEEF-F571114C3F54}" dt="2019-08-21T08:12:02.702" v="45"/>
+        <pc:sldMkLst>
+          <pc:docMk/>
+          <pc:sldMk cId="1227000069" sldId="303"/>
+        </pc:sldMkLst>
+        <pc:spChg chg="mod">
+          <ac:chgData name="Louis Lin" userId="b798cae1876596cb" providerId="LiveId" clId="{110A2191-4459-4360-AEEF-F571114C3F54}" dt="2019-08-21T08:11:07.731" v="28"/>
+          <ac:spMkLst>
+            <pc:docMk/>
+            <pc:sldMk cId="1227000069" sldId="303"/>
+            <ac:spMk id="18" creationId="{57EF658A-FB06-4DEF-BF70-B0C0556E7A67}"/>
+          </ac:spMkLst>
+        </pc:spChg>
+        <pc:spChg chg="mod">
+          <ac:chgData name="Louis Lin" userId="b798cae1876596cb" providerId="LiveId" clId="{110A2191-4459-4360-AEEF-F571114C3F54}" dt="2019-08-21T08:12:02.702" v="45"/>
+          <ac:spMkLst>
+            <pc:docMk/>
+            <pc:sldMk cId="1227000069" sldId="303"/>
+            <ac:spMk id="150" creationId="{00000000-0000-0000-0000-000000000000}"/>
+          </ac:spMkLst>
+        </pc:spChg>
+      </pc:sldChg>
+      <pc:sldChg chg="modSp">
+        <pc:chgData name="Louis Lin" userId="b798cae1876596cb" providerId="LiveId" clId="{110A2191-4459-4360-AEEF-F571114C3F54}" dt="2019-08-21T08:12:05.312" v="46"/>
+        <pc:sldMkLst>
+          <pc:docMk/>
+          <pc:sldMk cId="373385460" sldId="304"/>
+        </pc:sldMkLst>
+        <pc:spChg chg="mod">
+          <ac:chgData name="Louis Lin" userId="b798cae1876596cb" providerId="LiveId" clId="{110A2191-4459-4360-AEEF-F571114C3F54}" dt="2019-08-21T08:11:11.445" v="29"/>
+          <ac:spMkLst>
+            <pc:docMk/>
+            <pc:sldMk cId="373385460" sldId="304"/>
+            <ac:spMk id="18" creationId="{57EF658A-FB06-4DEF-BF70-B0C0556E7A67}"/>
+          </ac:spMkLst>
+        </pc:spChg>
+        <pc:spChg chg="mod">
+          <ac:chgData name="Louis Lin" userId="b798cae1876596cb" providerId="LiveId" clId="{110A2191-4459-4360-AEEF-F571114C3F54}" dt="2019-08-21T08:12:05.312" v="46"/>
+          <ac:spMkLst>
+            <pc:docMk/>
+            <pc:sldMk cId="373385460" sldId="304"/>
+            <ac:spMk id="150" creationId="{00000000-0000-0000-0000-000000000000}"/>
+          </ac:spMkLst>
+        </pc:spChg>
+      </pc:sldChg>
+      <pc:sldChg chg="modSp">
+        <pc:chgData name="Louis Lin" userId="b798cae1876596cb" providerId="LiveId" clId="{110A2191-4459-4360-AEEF-F571114C3F54}" dt="2019-08-21T08:12:09.143" v="47"/>
+        <pc:sldMkLst>
+          <pc:docMk/>
+          <pc:sldMk cId="3993997617" sldId="305"/>
+        </pc:sldMkLst>
+        <pc:spChg chg="mod">
+          <ac:chgData name="Louis Lin" userId="b798cae1876596cb" providerId="LiveId" clId="{110A2191-4459-4360-AEEF-F571114C3F54}" dt="2019-08-21T08:11:16.074" v="30"/>
+          <ac:spMkLst>
+            <pc:docMk/>
+            <pc:sldMk cId="3993997617" sldId="305"/>
+            <ac:spMk id="18" creationId="{57EF658A-FB06-4DEF-BF70-B0C0556E7A67}"/>
+          </ac:spMkLst>
+        </pc:spChg>
+        <pc:spChg chg="mod">
+          <ac:chgData name="Louis Lin" userId="b798cae1876596cb" providerId="LiveId" clId="{110A2191-4459-4360-AEEF-F571114C3F54}" dt="2019-08-21T08:12:09.143" v="47"/>
+          <ac:spMkLst>
+            <pc:docMk/>
+            <pc:sldMk cId="3993997617" sldId="305"/>
+            <ac:spMk id="150" creationId="{00000000-0000-0000-0000-000000000000}"/>
+          </ac:spMkLst>
+        </pc:spChg>
+      </pc:sldChg>
+      <pc:sldChg chg="modSp">
+        <pc:chgData name="Louis Lin" userId="b798cae1876596cb" providerId="LiveId" clId="{110A2191-4459-4360-AEEF-F571114C3F54}" dt="2019-08-21T08:11:38.981" v="32" actId="255"/>
+        <pc:sldMkLst>
+          <pc:docMk/>
+          <pc:sldMk cId="2795882242" sldId="306"/>
+        </pc:sldMkLst>
+        <pc:spChg chg="mod">
+          <ac:chgData name="Louis Lin" userId="b798cae1876596cb" providerId="LiveId" clId="{110A2191-4459-4360-AEEF-F571114C3F54}" dt="2019-08-21T08:11:38.981" v="32" actId="255"/>
+          <ac:spMkLst>
+            <pc:docMk/>
+            <pc:sldMk cId="2795882242" sldId="306"/>
+            <ac:spMk id="18" creationId="{57EF658A-FB06-4DEF-BF70-B0C0556E7A67}"/>
+          </ac:spMkLst>
+        </pc:spChg>
+      </pc:sldChg>
     </pc:docChg>
   </pc:docChgLst>
 </pc:chgInfo>
@@ -27612,7 +27752,7 @@
                 <a:latin typeface="Century Gothic" panose="020B0502020202020204" pitchFamily="34" charset="0"/>
                 <a:sym typeface="Century Gothic"/>
               </a:rPr>
-              <a:t>Data anal.</a:t>
+              <a:t>Data analysis</a:t>
             </a:r>
             <a:endParaRPr sz="3600" b="0" i="0" u="none" strike="noStrike" cap="none" dirty="0">
               <a:solidFill>
@@ -27757,13 +27897,22 @@
               <a:buChar char="•"/>
             </a:pPr>
             <a:r>
-              <a:rPr lang="en-US" sz="2200" dirty="0" err="1">
+              <a:rPr lang="en-US" sz="2200" dirty="0">
                 <a:solidFill>
                   <a:schemeClr val="lt2"/>
                 </a:solidFill>
                 <a:latin typeface="Century Gothic" panose="020B0502020202020204" pitchFamily="34" charset="0"/>
               </a:rPr>
-              <a:t>cumsum</a:t>
+              <a:t>‘</a:t>
+            </a:r>
+            <a:r>
+              <a:rPr lang="en-US" sz="2200" dirty="0" err="1">
+                <a:solidFill>
+                  <a:schemeClr val="lt2"/>
+                </a:solidFill>
+                <a:latin typeface="Century Gothic" panose="020B0502020202020204" pitchFamily="34" charset="0"/>
+              </a:rPr>
+              <a:t>tidyverse</a:t>
             </a:r>
             <a:r>
               <a:rPr lang="en-US" sz="2200" dirty="0">
@@ -27772,7 +27921,7 @@
                 </a:solidFill>
                 <a:latin typeface="Century Gothic" panose="020B0502020202020204" pitchFamily="34" charset="0"/>
               </a:rPr>
-              <a:t>()</a:t>
+              <a:t>’ package</a:t>
             </a:r>
           </a:p>
           <a:p>
@@ -27936,7 +28085,7 @@
                 <a:latin typeface="Century Gothic" panose="020B0502020202020204" pitchFamily="34" charset="0"/>
                 <a:sym typeface="Century Gothic"/>
               </a:rPr>
-              <a:t>Data anal.</a:t>
+              <a:t>Data analysis</a:t>
             </a:r>
             <a:endParaRPr sz="3600" b="0" i="0" u="none" strike="noStrike" cap="none" dirty="0">
               <a:solidFill>
@@ -28081,13 +28230,22 @@
               <a:buChar char="•"/>
             </a:pPr>
             <a:r>
-              <a:rPr lang="en-US" sz="2200" dirty="0" err="1">
+              <a:rPr lang="en-US" sz="2200" dirty="0">
                 <a:solidFill>
                   <a:schemeClr val="lt2"/>
                 </a:solidFill>
                 <a:latin typeface="Century Gothic" panose="020B0502020202020204" pitchFamily="34" charset="0"/>
               </a:rPr>
-              <a:t>cumsum</a:t>
+              <a:t>‘</a:t>
+            </a:r>
+            <a:r>
+              <a:rPr lang="en-US" sz="2200" dirty="0" err="1">
+                <a:solidFill>
+                  <a:schemeClr val="lt2"/>
+                </a:solidFill>
+                <a:latin typeface="Century Gothic" panose="020B0502020202020204" pitchFamily="34" charset="0"/>
+              </a:rPr>
+              <a:t>tidyverse</a:t>
             </a:r>
             <a:r>
               <a:rPr lang="en-US" sz="2200" dirty="0">
@@ -28096,7 +28254,7 @@
                 </a:solidFill>
                 <a:latin typeface="Century Gothic" panose="020B0502020202020204" pitchFamily="34" charset="0"/>
               </a:rPr>
-              <a:t>()</a:t>
+              <a:t>’ package</a:t>
             </a:r>
           </a:p>
           <a:p>
@@ -28290,7 +28448,7 @@
                 <a:latin typeface="Century Gothic" panose="020B0502020202020204" pitchFamily="34" charset="0"/>
                 <a:sym typeface="Century Gothic"/>
               </a:rPr>
-              <a:t>Data anal.</a:t>
+              <a:t>Data analysis</a:t>
             </a:r>
             <a:endParaRPr sz="3600" b="0" i="0" u="none" strike="noStrike" cap="none" dirty="0">
               <a:solidFill>
@@ -28435,13 +28593,22 @@
               <a:buChar char="•"/>
             </a:pPr>
             <a:r>
-              <a:rPr lang="en-US" sz="2200" dirty="0" err="1">
+              <a:rPr lang="en-US" sz="2200" dirty="0">
                 <a:solidFill>
                   <a:schemeClr val="lt2"/>
                 </a:solidFill>
                 <a:latin typeface="Century Gothic" panose="020B0502020202020204" pitchFamily="34" charset="0"/>
               </a:rPr>
-              <a:t>cumsum</a:t>
+              <a:t>‘</a:t>
+            </a:r>
+            <a:r>
+              <a:rPr lang="en-US" sz="2200" dirty="0" err="1">
+                <a:solidFill>
+                  <a:schemeClr val="lt2"/>
+                </a:solidFill>
+                <a:latin typeface="Century Gothic" panose="020B0502020202020204" pitchFamily="34" charset="0"/>
+              </a:rPr>
+              <a:t>tidyverse</a:t>
             </a:r>
             <a:r>
               <a:rPr lang="en-US" sz="2200" dirty="0">
@@ -28450,14 +28617,8 @@
                 </a:solidFill>
                 <a:latin typeface="Century Gothic" panose="020B0502020202020204" pitchFamily="34" charset="0"/>
               </a:rPr>
-              <a:t>()</a:t>
+              <a:t>’ package</a:t>
             </a:r>
-            <a:endParaRPr lang="en-US" sz="2400" dirty="0">
-              <a:solidFill>
-                <a:schemeClr val="lt2"/>
-              </a:solidFill>
-              <a:latin typeface="Century Gothic" panose="020B0502020202020204" pitchFamily="34" charset="0"/>
-            </a:endParaRPr>
           </a:p>
           <a:p>
             <a:pPr marL="342900" indent="-393700" fontAlgn="base">
@@ -28628,32 +28789,19 @@
           </a:bodyPr>
           <a:lstStyle/>
           <a:p>
-            <a:pPr marL="0" marR="0" lvl="0" indent="0" algn="l" rtl="0">
-              <a:lnSpc>
-                <a:spcPct val="100000"/>
-              </a:lnSpc>
-              <a:spcBef>
-                <a:spcPts val="0"/>
-              </a:spcBef>
-              <a:spcAft>
-                <a:spcPts val="0"/>
-              </a:spcAft>
+            <a:pPr lvl="0">
               <a:buClr>
                 <a:srgbClr val="F1B085"/>
               </a:buClr>
-              <a:buSzPts val="3600"/>
-              <a:buFont typeface="Century Gothic"/>
-              <a:buNone/>
             </a:pPr>
             <a:r>
-              <a:rPr lang="en-US" sz="3600" b="1" i="0" u="none" strike="noStrike" cap="none" dirty="0">
+              <a:rPr lang="en-US" b="1" dirty="0">
                 <a:solidFill>
                   <a:srgbClr val="F1B085"/>
                 </a:solidFill>
                 <a:latin typeface="Century Gothic" panose="020B0502020202020204" pitchFamily="34" charset="0"/>
-                <a:sym typeface="Century Gothic"/>
               </a:rPr>
-              <a:t>Data anal.</a:t>
+              <a:t>Data analysis</a:t>
             </a:r>
             <a:endParaRPr sz="3600" b="0" i="0" u="none" strike="noStrike" cap="none" dirty="0">
               <a:solidFill>
@@ -28798,13 +28946,22 @@
               <a:buChar char="•"/>
             </a:pPr>
             <a:r>
-              <a:rPr lang="en-US" sz="2200" dirty="0" err="1">
+              <a:rPr lang="en-US" sz="2200" dirty="0">
                 <a:solidFill>
                   <a:schemeClr val="lt2"/>
                 </a:solidFill>
                 <a:latin typeface="Century Gothic" panose="020B0502020202020204" pitchFamily="34" charset="0"/>
               </a:rPr>
-              <a:t>cumsum</a:t>
+              <a:t>‘</a:t>
+            </a:r>
+            <a:r>
+              <a:rPr lang="en-US" sz="2200" dirty="0" err="1">
+                <a:solidFill>
+                  <a:schemeClr val="lt2"/>
+                </a:solidFill>
+                <a:latin typeface="Century Gothic" panose="020B0502020202020204" pitchFamily="34" charset="0"/>
+              </a:rPr>
+              <a:t>tidyverse</a:t>
             </a:r>
             <a:r>
               <a:rPr lang="en-US" sz="2200" dirty="0">
@@ -28813,14 +28970,8 @@
                 </a:solidFill>
                 <a:latin typeface="Century Gothic" panose="020B0502020202020204" pitchFamily="34" charset="0"/>
               </a:rPr>
-              <a:t>()</a:t>
+              <a:t>’ package</a:t>
             </a:r>
-            <a:endParaRPr lang="en-US" sz="2400" dirty="0">
-              <a:solidFill>
-                <a:schemeClr val="lt2"/>
-              </a:solidFill>
-              <a:latin typeface="Century Gothic" panose="020B0502020202020204" pitchFamily="34" charset="0"/>
-            </a:endParaRPr>
           </a:p>
           <a:p>
             <a:pPr marL="342900" indent="-393700" fontAlgn="base">
@@ -29032,32 +29183,19 @@
           </a:bodyPr>
           <a:lstStyle/>
           <a:p>
-            <a:pPr marL="0" marR="0" lvl="0" indent="0" algn="l" rtl="0">
-              <a:lnSpc>
-                <a:spcPct val="100000"/>
-              </a:lnSpc>
-              <a:spcBef>
-                <a:spcPts val="0"/>
-              </a:spcBef>
-              <a:spcAft>
-                <a:spcPts val="0"/>
-              </a:spcAft>
+            <a:pPr lvl="0">
               <a:buClr>
                 <a:srgbClr val="F1B085"/>
               </a:buClr>
-              <a:buSzPts val="3600"/>
-              <a:buFont typeface="Century Gothic"/>
-              <a:buNone/>
             </a:pPr>
             <a:r>
-              <a:rPr lang="en-US" sz="3600" b="1" i="0" u="none" strike="noStrike" cap="none" dirty="0">
+              <a:rPr lang="en-US" b="1" dirty="0">
                 <a:solidFill>
                   <a:srgbClr val="F1B085"/>
                 </a:solidFill>
                 <a:latin typeface="Century Gothic" panose="020B0502020202020204" pitchFamily="34" charset="0"/>
-                <a:sym typeface="Century Gothic"/>
               </a:rPr>
-              <a:t>Data anal.</a:t>
+              <a:t>Data analysis</a:t>
             </a:r>
             <a:endParaRPr sz="3600" b="0" i="0" u="none" strike="noStrike" cap="none" dirty="0">
               <a:solidFill>
@@ -29202,13 +29340,22 @@
               <a:buChar char="•"/>
             </a:pPr>
             <a:r>
-              <a:rPr lang="en-US" sz="2200" dirty="0" err="1">
+              <a:rPr lang="en-US" sz="2200" dirty="0">
                 <a:solidFill>
                   <a:schemeClr val="lt2"/>
                 </a:solidFill>
                 <a:latin typeface="Century Gothic" panose="020B0502020202020204" pitchFamily="34" charset="0"/>
               </a:rPr>
-              <a:t>cumsum</a:t>
+              <a:t>‘</a:t>
+            </a:r>
+            <a:r>
+              <a:rPr lang="en-US" sz="2200" dirty="0" err="1">
+                <a:solidFill>
+                  <a:schemeClr val="lt2"/>
+                </a:solidFill>
+                <a:latin typeface="Century Gothic" panose="020B0502020202020204" pitchFamily="34" charset="0"/>
+              </a:rPr>
+              <a:t>tidyverse</a:t>
             </a:r>
             <a:r>
               <a:rPr lang="en-US" sz="2200" dirty="0">
@@ -29217,14 +29364,8 @@
                 </a:solidFill>
                 <a:latin typeface="Century Gothic" panose="020B0502020202020204" pitchFamily="34" charset="0"/>
               </a:rPr>
-              <a:t>()</a:t>
+              <a:t>’ package</a:t>
             </a:r>
-            <a:endParaRPr lang="en-US" sz="2400" dirty="0">
-              <a:solidFill>
-                <a:schemeClr val="lt2"/>
-              </a:solidFill>
-              <a:latin typeface="Century Gothic" panose="020B0502020202020204" pitchFamily="34" charset="0"/>
-            </a:endParaRPr>
           </a:p>
           <a:p>
             <a:pPr marL="342900" indent="-393700" fontAlgn="base">
@@ -29439,32 +29580,19 @@
           </a:bodyPr>
           <a:lstStyle/>
           <a:p>
-            <a:pPr marL="0" marR="0" lvl="0" indent="0" algn="l" rtl="0">
-              <a:lnSpc>
-                <a:spcPct val="100000"/>
-              </a:lnSpc>
-              <a:spcBef>
-                <a:spcPts val="0"/>
-              </a:spcBef>
-              <a:spcAft>
-                <a:spcPts val="0"/>
-              </a:spcAft>
+            <a:pPr lvl="0">
               <a:buClr>
                 <a:srgbClr val="F1B085"/>
               </a:buClr>
-              <a:buSzPts val="3600"/>
-              <a:buFont typeface="Century Gothic"/>
-              <a:buNone/>
             </a:pPr>
             <a:r>
-              <a:rPr lang="en-US" sz="3600" b="1" i="0" u="none" strike="noStrike" cap="none" dirty="0">
+              <a:rPr lang="en-US" b="1" dirty="0">
                 <a:solidFill>
                   <a:srgbClr val="F1B085"/>
                 </a:solidFill>
                 <a:latin typeface="Century Gothic" panose="020B0502020202020204" pitchFamily="34" charset="0"/>
-                <a:sym typeface="Century Gothic"/>
               </a:rPr>
-              <a:t>Data anal.</a:t>
+              <a:t>Data analysis</a:t>
             </a:r>
             <a:endParaRPr sz="3600" b="0" i="0" u="none" strike="noStrike" cap="none" dirty="0">
               <a:solidFill>
@@ -29609,13 +29737,22 @@
               <a:buChar char="•"/>
             </a:pPr>
             <a:r>
-              <a:rPr lang="en-US" sz="2200" dirty="0" err="1">
+              <a:rPr lang="en-US" sz="2200" dirty="0">
                 <a:solidFill>
                   <a:schemeClr val="lt2"/>
                 </a:solidFill>
                 <a:latin typeface="Century Gothic" panose="020B0502020202020204" pitchFamily="34" charset="0"/>
               </a:rPr>
-              <a:t>cumsum</a:t>
+              <a:t>‘</a:t>
+            </a:r>
+            <a:r>
+              <a:rPr lang="en-US" sz="2200" dirty="0" err="1">
+                <a:solidFill>
+                  <a:schemeClr val="lt2"/>
+                </a:solidFill>
+                <a:latin typeface="Century Gothic" panose="020B0502020202020204" pitchFamily="34" charset="0"/>
+              </a:rPr>
+              <a:t>tidyverse</a:t>
             </a:r>
             <a:r>
               <a:rPr lang="en-US" sz="2200" dirty="0">
@@ -29624,14 +29761,8 @@
                 </a:solidFill>
                 <a:latin typeface="Century Gothic" panose="020B0502020202020204" pitchFamily="34" charset="0"/>
               </a:rPr>
-              <a:t>()</a:t>
+              <a:t>’ package</a:t>
             </a:r>
-            <a:endParaRPr lang="en-US" sz="2400" dirty="0">
-              <a:solidFill>
-                <a:schemeClr val="lt2"/>
-              </a:solidFill>
-              <a:latin typeface="Century Gothic" panose="020B0502020202020204" pitchFamily="34" charset="0"/>
-            </a:endParaRPr>
           </a:p>
           <a:p>
             <a:pPr marL="342900" indent="-393700" fontAlgn="base">
@@ -30012,7 +30143,7 @@
               <a:buChar char="•"/>
             </a:pPr>
             <a:r>
-              <a:rPr lang="en-US" sz="2000" dirty="0">
+              <a:rPr lang="en-US" sz="2200" dirty="0">
                 <a:solidFill>
                   <a:schemeClr val="lt2"/>
                 </a:solidFill>
@@ -30034,7 +30165,7 @@
               <a:buChar char="•"/>
             </a:pPr>
             <a:r>
-              <a:rPr lang="en-US" sz="2000" dirty="0">
+              <a:rPr lang="en-US" sz="2200" dirty="0">
                 <a:solidFill>
                   <a:schemeClr val="lt2"/>
                 </a:solidFill>
@@ -30056,7 +30187,7 @@
               <a:buChar char="•"/>
             </a:pPr>
             <a:r>
-              <a:rPr lang="en-US" sz="2000" dirty="0">
+              <a:rPr lang="en-US" sz="2200" dirty="0">
                 <a:solidFill>
                   <a:schemeClr val="lt2"/>
                 </a:solidFill>
@@ -30078,7 +30209,7 @@
               <a:buChar char="•"/>
             </a:pPr>
             <a:r>
-              <a:rPr lang="en-US" sz="2000" dirty="0">
+              <a:rPr lang="en-US" sz="2200" dirty="0">
                 <a:solidFill>
                   <a:schemeClr val="lt2"/>
                 </a:solidFill>
@@ -30086,12 +30217,6 @@
               </a:rPr>
               <a:t>Other improvements …</a:t>
             </a:r>
-            <a:endParaRPr lang="en-US" sz="2400" dirty="0">
-              <a:solidFill>
-                <a:schemeClr val="lt2"/>
-              </a:solidFill>
-              <a:latin typeface="Century Gothic" panose="020B0502020202020204" pitchFamily="34" charset="0"/>
-            </a:endParaRPr>
           </a:p>
           <a:p>
             <a:pPr marL="342900" indent="-393700" fontAlgn="base">
@@ -30159,7 +30284,7 @@
               <a:buChar char="•"/>
             </a:pPr>
             <a:r>
-              <a:rPr lang="en-US" sz="2000" dirty="0">
+              <a:rPr lang="en-US" sz="2200" dirty="0">
                 <a:solidFill>
                   <a:schemeClr val="lt2"/>
                 </a:solidFill>
@@ -30181,7 +30306,7 @@
               <a:buChar char="•"/>
             </a:pPr>
             <a:r>
-              <a:rPr lang="en-US" sz="2000" dirty="0" err="1">
+              <a:rPr lang="en-US" sz="2200" dirty="0" err="1">
                 <a:solidFill>
                   <a:schemeClr val="lt2"/>
                 </a:solidFill>
@@ -30189,7 +30314,7 @@
               </a:rPr>
               <a:t>Optimising</a:t>
             </a:r>
-            <a:endParaRPr lang="en-US" sz="2000" dirty="0">
+            <a:endParaRPr lang="en-US" sz="2200" dirty="0">
               <a:solidFill>
                 <a:schemeClr val="lt2"/>
               </a:solidFill>
